--- a/Download/S2/ACN/2. ACN/MOD 5/Threats and Attacks.pptx
+++ b/Download/S2/ACN/2. ACN/MOD 5/Threats and Attacks.pptx
@@ -107,6 +107,11 @@
       </a:defRPr>
     </a:lvl9pPr>
   </p:defaultTextStyle>
+  <p:extLst>
+    <p:ext uri="{EFAFB233-063F-42B5-8137-9DF3F51BA10A}">
+      <p15:sldGuideLst xmlns:p15="http://schemas.microsoft.com/office/powerpoint/2012/main"/>
+    </p:ext>
+  </p:extLst>
 </p:presentation>
 </file>
 
@@ -241,7 +246,7 @@
           <a:p>
             <a:fld id="{0F929C61-7221-4C53-B3F2-57752623EC41}" type="datetimeFigureOut">
               <a:rPr lang="en-IN" smtClean="0"/>
-              <a:t>02-12-2020</a:t>
+              <a:t>27-10-2021</a:t>
             </a:fld>
             <a:endParaRPr lang="en-IN"/>
           </a:p>
@@ -411,7 +416,7 @@
           <a:p>
             <a:fld id="{0F929C61-7221-4C53-B3F2-57752623EC41}" type="datetimeFigureOut">
               <a:rPr lang="en-IN" smtClean="0"/>
-              <a:t>02-12-2020</a:t>
+              <a:t>27-10-2021</a:t>
             </a:fld>
             <a:endParaRPr lang="en-IN"/>
           </a:p>
@@ -591,7 +596,7 @@
           <a:p>
             <a:fld id="{0F929C61-7221-4C53-B3F2-57752623EC41}" type="datetimeFigureOut">
               <a:rPr lang="en-IN" smtClean="0"/>
-              <a:t>02-12-2020</a:t>
+              <a:t>27-10-2021</a:t>
             </a:fld>
             <a:endParaRPr lang="en-IN"/>
           </a:p>
@@ -761,7 +766,7 @@
           <a:p>
             <a:fld id="{0F929C61-7221-4C53-B3F2-57752623EC41}" type="datetimeFigureOut">
               <a:rPr lang="en-IN" smtClean="0"/>
-              <a:t>02-12-2020</a:t>
+              <a:t>27-10-2021</a:t>
             </a:fld>
             <a:endParaRPr lang="en-IN"/>
           </a:p>
@@ -1007,7 +1012,7 @@
           <a:p>
             <a:fld id="{0F929C61-7221-4C53-B3F2-57752623EC41}" type="datetimeFigureOut">
               <a:rPr lang="en-IN" smtClean="0"/>
-              <a:t>02-12-2020</a:t>
+              <a:t>27-10-2021</a:t>
             </a:fld>
             <a:endParaRPr lang="en-IN"/>
           </a:p>
@@ -1239,7 +1244,7 @@
           <a:p>
             <a:fld id="{0F929C61-7221-4C53-B3F2-57752623EC41}" type="datetimeFigureOut">
               <a:rPr lang="en-IN" smtClean="0"/>
-              <a:t>02-12-2020</a:t>
+              <a:t>27-10-2021</a:t>
             </a:fld>
             <a:endParaRPr lang="en-IN"/>
           </a:p>
@@ -1606,7 +1611,7 @@
           <a:p>
             <a:fld id="{0F929C61-7221-4C53-B3F2-57752623EC41}" type="datetimeFigureOut">
               <a:rPr lang="en-IN" smtClean="0"/>
-              <a:t>02-12-2020</a:t>
+              <a:t>27-10-2021</a:t>
             </a:fld>
             <a:endParaRPr lang="en-IN"/>
           </a:p>
@@ -1724,7 +1729,7 @@
           <a:p>
             <a:fld id="{0F929C61-7221-4C53-B3F2-57752623EC41}" type="datetimeFigureOut">
               <a:rPr lang="en-IN" smtClean="0"/>
-              <a:t>02-12-2020</a:t>
+              <a:t>27-10-2021</a:t>
             </a:fld>
             <a:endParaRPr lang="en-IN"/>
           </a:p>
@@ -1819,7 +1824,7 @@
           <a:p>
             <a:fld id="{0F929C61-7221-4C53-B3F2-57752623EC41}" type="datetimeFigureOut">
               <a:rPr lang="en-IN" smtClean="0"/>
-              <a:t>02-12-2020</a:t>
+              <a:t>27-10-2021</a:t>
             </a:fld>
             <a:endParaRPr lang="en-IN"/>
           </a:p>
@@ -2096,7 +2101,7 @@
           <a:p>
             <a:fld id="{0F929C61-7221-4C53-B3F2-57752623EC41}" type="datetimeFigureOut">
               <a:rPr lang="en-IN" smtClean="0"/>
-              <a:t>02-12-2020</a:t>
+              <a:t>27-10-2021</a:t>
             </a:fld>
             <a:endParaRPr lang="en-IN"/>
           </a:p>
@@ -2349,7 +2354,7 @@
           <a:p>
             <a:fld id="{0F929C61-7221-4C53-B3F2-57752623EC41}" type="datetimeFigureOut">
               <a:rPr lang="en-IN" smtClean="0"/>
-              <a:t>02-12-2020</a:t>
+              <a:t>27-10-2021</a:t>
             </a:fld>
             <a:endParaRPr lang="en-IN"/>
           </a:p>
@@ -2562,7 +2567,7 @@
           <a:p>
             <a:fld id="{0F929C61-7221-4C53-B3F2-57752623EC41}" type="datetimeFigureOut">
               <a:rPr lang="en-IN" smtClean="0"/>
-              <a:t>02-12-2020</a:t>
+              <a:t>27-10-2021</a:t>
             </a:fld>
             <a:endParaRPr lang="en-IN"/>
           </a:p>
@@ -3183,25 +3188,6 @@
       </p:grpSpPr>
       <p:sp>
         <p:nvSpPr>
-          <p:cNvPr id="2" name="Title 1"/>
-          <p:cNvSpPr>
-            <a:spLocks noGrp="1"/>
-          </p:cNvSpPr>
-          <p:nvPr>
-            <p:ph type="title"/>
-          </p:nvPr>
-        </p:nvSpPr>
-        <p:spPr/>
-        <p:txBody>
-          <a:bodyPr/>
-          <a:lstStyle/>
-          <a:p>
-            <a:endParaRPr lang="en-IN"/>
-          </a:p>
-        </p:txBody>
-      </p:sp>
-      <p:sp>
-        <p:nvSpPr>
           <p:cNvPr id="3" name="Content Placeholder 2"/>
           <p:cNvSpPr>
             <a:spLocks noGrp="1"/>
@@ -3212,7 +3198,7 @@
         </p:nvSpPr>
         <p:spPr>
           <a:xfrm>
-            <a:off x="838200" y="574766"/>
+            <a:off x="636319" y="586642"/>
             <a:ext cx="10515600" cy="5602197"/>
           </a:xfrm>
         </p:spPr>
@@ -3397,25 +3383,6 @@
           <a:chExt cx="0" cy="0"/>
         </a:xfrm>
       </p:grpSpPr>
-      <p:sp>
-        <p:nvSpPr>
-          <p:cNvPr id="2" name="Title 1"/>
-          <p:cNvSpPr>
-            <a:spLocks noGrp="1"/>
-          </p:cNvSpPr>
-          <p:nvPr>
-            <p:ph type="title"/>
-          </p:nvPr>
-        </p:nvSpPr>
-        <p:spPr/>
-        <p:txBody>
-          <a:bodyPr/>
-          <a:lstStyle/>
-          <a:p>
-            <a:endParaRPr lang="en-IN"/>
-          </a:p>
-        </p:txBody>
-      </p:sp>
       <p:sp>
         <p:nvSpPr>
           <p:cNvPr id="3" name="Content Placeholder 2"/>
@@ -3544,25 +3511,6 @@
           <a:chExt cx="0" cy="0"/>
         </a:xfrm>
       </p:grpSpPr>
-      <p:sp>
-        <p:nvSpPr>
-          <p:cNvPr id="2" name="Title 1"/>
-          <p:cNvSpPr>
-            <a:spLocks noGrp="1"/>
-          </p:cNvSpPr>
-          <p:nvPr>
-            <p:ph type="title"/>
-          </p:nvPr>
-        </p:nvSpPr>
-        <p:spPr/>
-        <p:txBody>
-          <a:bodyPr/>
-          <a:lstStyle/>
-          <a:p>
-            <a:endParaRPr lang="en-IN"/>
-          </a:p>
-        </p:txBody>
-      </p:sp>
       <p:sp>
         <p:nvSpPr>
           <p:cNvPr id="3" name="Content Placeholder 2"/>
